--- a/vocabulary/SampledFeatureDecisionTreeV3.pptx
+++ b/vocabulary/SampledFeatureDecisionTreeV3.pptx
@@ -243,7 +243,7 @@
           <a:p>
             <a:fld id="{47AA5A20-FE08-4F04-A6A9-90A748025DF5}" type="datetimeFigureOut">
               <a:rPr lang="en-US" smtClean="0"/>
-              <a:t>6/8/2021</a:t>
+              <a:t>6/9/2021</a:t>
             </a:fld>
             <a:endParaRPr lang="en-US"/>
           </a:p>
@@ -413,7 +413,7 @@
           <a:p>
             <a:fld id="{47AA5A20-FE08-4F04-A6A9-90A748025DF5}" type="datetimeFigureOut">
               <a:rPr lang="en-US" smtClean="0"/>
-              <a:t>6/8/2021</a:t>
+              <a:t>6/9/2021</a:t>
             </a:fld>
             <a:endParaRPr lang="en-US"/>
           </a:p>
@@ -593,7 +593,7 @@
           <a:p>
             <a:fld id="{47AA5A20-FE08-4F04-A6A9-90A748025DF5}" type="datetimeFigureOut">
               <a:rPr lang="en-US" smtClean="0"/>
-              <a:t>6/8/2021</a:t>
+              <a:t>6/9/2021</a:t>
             </a:fld>
             <a:endParaRPr lang="en-US"/>
           </a:p>
@@ -763,7 +763,7 @@
           <a:p>
             <a:fld id="{47AA5A20-FE08-4F04-A6A9-90A748025DF5}" type="datetimeFigureOut">
               <a:rPr lang="en-US" smtClean="0"/>
-              <a:t>6/8/2021</a:t>
+              <a:t>6/9/2021</a:t>
             </a:fld>
             <a:endParaRPr lang="en-US"/>
           </a:p>
@@ -1007,7 +1007,7 @@
           <a:p>
             <a:fld id="{47AA5A20-FE08-4F04-A6A9-90A748025DF5}" type="datetimeFigureOut">
               <a:rPr lang="en-US" smtClean="0"/>
-              <a:t>6/8/2021</a:t>
+              <a:t>6/9/2021</a:t>
             </a:fld>
             <a:endParaRPr lang="en-US"/>
           </a:p>
@@ -1239,7 +1239,7 @@
           <a:p>
             <a:fld id="{47AA5A20-FE08-4F04-A6A9-90A748025DF5}" type="datetimeFigureOut">
               <a:rPr lang="en-US" smtClean="0"/>
-              <a:t>6/8/2021</a:t>
+              <a:t>6/9/2021</a:t>
             </a:fld>
             <a:endParaRPr lang="en-US"/>
           </a:p>
@@ -1606,7 +1606,7 @@
           <a:p>
             <a:fld id="{47AA5A20-FE08-4F04-A6A9-90A748025DF5}" type="datetimeFigureOut">
               <a:rPr lang="en-US" smtClean="0"/>
-              <a:t>6/8/2021</a:t>
+              <a:t>6/9/2021</a:t>
             </a:fld>
             <a:endParaRPr lang="en-US"/>
           </a:p>
@@ -1724,7 +1724,7 @@
           <a:p>
             <a:fld id="{47AA5A20-FE08-4F04-A6A9-90A748025DF5}" type="datetimeFigureOut">
               <a:rPr lang="en-US" smtClean="0"/>
-              <a:t>6/8/2021</a:t>
+              <a:t>6/9/2021</a:t>
             </a:fld>
             <a:endParaRPr lang="en-US"/>
           </a:p>
@@ -1819,7 +1819,7 @@
           <a:p>
             <a:fld id="{47AA5A20-FE08-4F04-A6A9-90A748025DF5}" type="datetimeFigureOut">
               <a:rPr lang="en-US" smtClean="0"/>
-              <a:t>6/8/2021</a:t>
+              <a:t>6/9/2021</a:t>
             </a:fld>
             <a:endParaRPr lang="en-US"/>
           </a:p>
@@ -2096,7 +2096,7 @@
           <a:p>
             <a:fld id="{47AA5A20-FE08-4F04-A6A9-90A748025DF5}" type="datetimeFigureOut">
               <a:rPr lang="en-US" smtClean="0"/>
-              <a:t>6/8/2021</a:t>
+              <a:t>6/9/2021</a:t>
             </a:fld>
             <a:endParaRPr lang="en-US"/>
           </a:p>
@@ -2353,7 +2353,7 @@
           <a:p>
             <a:fld id="{47AA5A20-FE08-4F04-A6A9-90A748025DF5}" type="datetimeFigureOut">
               <a:rPr lang="en-US" smtClean="0"/>
-              <a:t>6/8/2021</a:t>
+              <a:t>6/9/2021</a:t>
             </a:fld>
             <a:endParaRPr lang="en-US"/>
           </a:p>
@@ -2566,7 +2566,7 @@
           <a:p>
             <a:fld id="{47AA5A20-FE08-4F04-A6A9-90A748025DF5}" type="datetimeFigureOut">
               <a:rPr lang="en-US" smtClean="0"/>
-              <a:t>6/8/2021</a:t>
+              <a:t>6/9/2021</a:t>
             </a:fld>
             <a:endParaRPr lang="en-US"/>
           </a:p>
@@ -3796,7 +3796,7 @@
         </p:nvSpPr>
         <p:spPr>
           <a:xfrm>
-            <a:off x="7055740" y="6367439"/>
+            <a:off x="7736225" y="7441328"/>
             <a:ext cx="1412382" cy="387759"/>
           </a:xfrm>
           <a:prstGeom prst="rect">
@@ -3918,8 +3918,8 @@
         </p:nvCxnSpPr>
         <p:spPr>
           <a:xfrm flipH="1">
-            <a:off x="6853320" y="2296357"/>
-            <a:ext cx="1150548" cy="856747"/>
+            <a:off x="7350427" y="2296357"/>
+            <a:ext cx="653441" cy="484785"/>
           </a:xfrm>
           <a:prstGeom prst="straightConnector1">
             <a:avLst/>
@@ -3962,7 +3962,7 @@
         </p:nvSpPr>
         <p:spPr>
           <a:xfrm>
-            <a:off x="7460582" y="7858557"/>
+            <a:off x="8141067" y="8932446"/>
             <a:ext cx="1660469" cy="509417"/>
           </a:xfrm>
           <a:prstGeom prst="rect">
@@ -4021,7 +4021,7 @@
         </p:nvSpPr>
         <p:spPr>
           <a:xfrm>
-            <a:off x="5795592" y="4394223"/>
+            <a:off x="5698886" y="5088818"/>
             <a:ext cx="1586566" cy="441531"/>
           </a:xfrm>
           <a:prstGeom prst="rect">
@@ -4080,7 +4080,7 @@
         </p:nvSpPr>
         <p:spPr>
           <a:xfrm>
-            <a:off x="6147129" y="3153104"/>
+            <a:off x="6644236" y="2781142"/>
             <a:ext cx="1412382" cy="509417"/>
           </a:xfrm>
           <a:prstGeom prst="rect">
@@ -4237,8 +4237,8 @@
         </p:nvCxnSpPr>
         <p:spPr>
           <a:xfrm flipH="1">
-            <a:off x="5444056" y="3407813"/>
-            <a:ext cx="703073" cy="228703"/>
+            <a:off x="5689205" y="3035851"/>
+            <a:ext cx="955031" cy="291734"/>
           </a:xfrm>
           <a:prstGeom prst="straightConnector1">
             <a:avLst/>
@@ -4280,7 +4280,7 @@
         </p:nvSpPr>
         <p:spPr>
           <a:xfrm>
-            <a:off x="4031674" y="3451850"/>
+            <a:off x="4276823" y="3142919"/>
             <a:ext cx="1412382" cy="369332"/>
           </a:xfrm>
           <a:prstGeom prst="rect">
@@ -4405,14 +4405,14 @@
           <p:cNvCxnSpPr>
             <a:cxnSpLocks/>
             <a:stCxn id="109" idx="2"/>
-            <a:endCxn id="108" idx="0"/>
+            <a:endCxn id="99" idx="0"/>
           </p:cNvCxnSpPr>
           <p:nvPr/>
         </p:nvCxnSpPr>
         <p:spPr>
           <a:xfrm flipH="1">
-            <a:off x="6588875" y="3662521"/>
-            <a:ext cx="264445" cy="731702"/>
+            <a:off x="6818439" y="3290559"/>
+            <a:ext cx="531988" cy="455410"/>
           </a:xfrm>
           <a:prstGeom prst="straightConnector1">
             <a:avLst/>
@@ -4507,8 +4507,8 @@
         </p:nvCxnSpPr>
         <p:spPr>
           <a:xfrm>
-            <a:off x="6588875" y="4835754"/>
-            <a:ext cx="1173056" cy="1531685"/>
+            <a:off x="6492169" y="5530349"/>
+            <a:ext cx="1950247" cy="1910979"/>
           </a:xfrm>
           <a:prstGeom prst="straightConnector1">
             <a:avLst/>
@@ -4555,7 +4555,7 @@
         </p:nvCxnSpPr>
         <p:spPr>
           <a:xfrm>
-            <a:off x="7761931" y="6755198"/>
+            <a:off x="8442416" y="7829087"/>
             <a:ext cx="528886" cy="1103359"/>
           </a:xfrm>
           <a:prstGeom prst="straightConnector1">
@@ -4651,8 +4651,8 @@
         </p:nvCxnSpPr>
         <p:spPr>
           <a:xfrm flipH="1">
-            <a:off x="4013627" y="1931249"/>
-            <a:ext cx="424658" cy="546067"/>
+            <a:off x="3953725" y="1931249"/>
+            <a:ext cx="484560" cy="301846"/>
           </a:xfrm>
           <a:prstGeom prst="straightConnector1">
             <a:avLst/>
@@ -4694,7 +4694,7 @@
         </p:nvSpPr>
         <p:spPr>
           <a:xfrm>
-            <a:off x="3142263" y="2477316"/>
+            <a:off x="3082361" y="2233095"/>
             <a:ext cx="1742727" cy="646331"/>
           </a:xfrm>
           <a:prstGeom prst="rect">
@@ -4734,8 +4734,8 @@
         </p:nvCxnSpPr>
         <p:spPr>
           <a:xfrm flipH="1">
-            <a:off x="5549990" y="4835754"/>
-            <a:ext cx="1038885" cy="1171199"/>
+            <a:off x="4816339" y="5530349"/>
+            <a:ext cx="1675830" cy="476604"/>
           </a:xfrm>
           <a:prstGeom prst="straightConnector1">
             <a:avLst/>
@@ -4824,8 +4824,8 @@
         </p:nvCxnSpPr>
         <p:spPr>
           <a:xfrm>
-            <a:off x="8290817" y="8367974"/>
-            <a:ext cx="1385636" cy="956057"/>
+            <a:off x="8971302" y="9441863"/>
+            <a:ext cx="705151" cy="870997"/>
           </a:xfrm>
           <a:prstGeom prst="straightConnector1">
             <a:avLst/>
@@ -4868,7 +4868,7 @@
         </p:nvSpPr>
         <p:spPr>
           <a:xfrm>
-            <a:off x="4853575" y="6006953"/>
+            <a:off x="4119924" y="6006953"/>
             <a:ext cx="1392829" cy="509417"/>
           </a:xfrm>
           <a:prstGeom prst="rect">
@@ -4931,8 +4931,8 @@
         </p:nvCxnSpPr>
         <p:spPr>
           <a:xfrm flipH="1">
-            <a:off x="5417273" y="6755198"/>
-            <a:ext cx="2344658" cy="1904523"/>
+            <a:off x="5417273" y="7829087"/>
+            <a:ext cx="3025143" cy="1819463"/>
           </a:xfrm>
           <a:prstGeom prst="straightConnector1">
             <a:avLst/>
@@ -4978,8 +4978,8 @@
         </p:nvCxnSpPr>
         <p:spPr>
           <a:xfrm flipH="1">
-            <a:off x="7624272" y="8367974"/>
-            <a:ext cx="666545" cy="763985"/>
+            <a:off x="7624272" y="9441863"/>
+            <a:ext cx="1347030" cy="678925"/>
           </a:xfrm>
           <a:prstGeom prst="straightConnector1">
             <a:avLst/>
@@ -5021,7 +5021,7 @@
         </p:nvSpPr>
         <p:spPr>
           <a:xfrm>
-            <a:off x="6720177" y="9131959"/>
+            <a:off x="6720177" y="10120788"/>
             <a:ext cx="1808190" cy="646331"/>
           </a:xfrm>
           <a:prstGeom prst="rect">
@@ -5123,7 +5123,7 @@
         </p:nvSpPr>
         <p:spPr>
           <a:xfrm>
-            <a:off x="8970262" y="9324031"/>
+            <a:off x="8970262" y="10312860"/>
             <a:ext cx="1412382" cy="509417"/>
           </a:xfrm>
           <a:prstGeom prst="rect">
@@ -5282,7 +5282,7 @@
         <p:spPr>
           <a:xfrm flipH="1">
             <a:off x="2994691" y="6261662"/>
-            <a:ext cx="1858884" cy="786653"/>
+            <a:ext cx="1125233" cy="786653"/>
           </a:xfrm>
           <a:prstGeom prst="straightConnector1">
             <a:avLst/>
@@ -5324,7 +5324,7 @@
         </p:nvSpPr>
         <p:spPr>
           <a:xfrm>
-            <a:off x="3992659" y="6901212"/>
+            <a:off x="4673144" y="7358417"/>
             <a:ext cx="1950396" cy="646331"/>
           </a:xfrm>
           <a:prstGeom prst="rect">
@@ -5638,9 +5638,9 @@
           <p:nvPr/>
         </p:nvCxnSpPr>
         <p:spPr>
-          <a:xfrm flipH="1">
-            <a:off x="4967857" y="6516370"/>
-            <a:ext cx="582133" cy="384842"/>
+          <a:xfrm>
+            <a:off x="4816339" y="6516370"/>
+            <a:ext cx="832003" cy="842047"/>
           </a:xfrm>
           <a:prstGeom prst="straightConnector1">
             <a:avLst/>
@@ -5683,7 +5683,7 @@
         </p:nvSpPr>
         <p:spPr>
           <a:xfrm>
-            <a:off x="4419305" y="8659721"/>
+            <a:off x="4419305" y="9648550"/>
             <a:ext cx="1995936" cy="586234"/>
           </a:xfrm>
           <a:prstGeom prst="rect">
@@ -5742,7 +5742,7 @@
         </p:nvSpPr>
         <p:spPr>
           <a:xfrm>
-            <a:off x="1676042" y="10698798"/>
+            <a:off x="1676042" y="11772687"/>
             <a:ext cx="1853040" cy="700448"/>
           </a:xfrm>
           <a:prstGeom prst="rect">
@@ -5789,8 +5789,8 @@
         </p:nvCxnSpPr>
         <p:spPr>
           <a:xfrm>
-            <a:off x="5417273" y="9245955"/>
-            <a:ext cx="405802" cy="1342263"/>
+            <a:off x="5417273" y="10234784"/>
+            <a:ext cx="405802" cy="1427323"/>
           </a:xfrm>
           <a:prstGeom prst="straightConnector1">
             <a:avLst/>
@@ -5837,8 +5837,8 @@
         </p:nvCxnSpPr>
         <p:spPr>
           <a:xfrm flipH="1">
-            <a:off x="2602562" y="9245955"/>
-            <a:ext cx="2814711" cy="1452843"/>
+            <a:off x="2602562" y="10234784"/>
+            <a:ext cx="2814711" cy="1537903"/>
           </a:xfrm>
           <a:prstGeom prst="straightConnector1">
             <a:avLst/>
@@ -5880,7 +5880,7 @@
         </p:nvSpPr>
         <p:spPr>
           <a:xfrm>
-            <a:off x="5187634" y="10588218"/>
+            <a:off x="5187634" y="11662107"/>
             <a:ext cx="1270882" cy="646331"/>
           </a:xfrm>
           <a:prstGeom prst="rect">
@@ -5923,7 +5923,7 @@
         </p:nvSpPr>
         <p:spPr>
           <a:xfrm>
-            <a:off x="11050725" y="10776997"/>
+            <a:off x="11050725" y="11850886"/>
             <a:ext cx="1655303" cy="700448"/>
           </a:xfrm>
           <a:prstGeom prst="rect">
@@ -5963,8 +5963,8 @@
         </p:nvCxnSpPr>
         <p:spPr>
           <a:xfrm>
-            <a:off x="9676453" y="9833448"/>
-            <a:ext cx="1374272" cy="1293773"/>
+            <a:off x="9676453" y="10822277"/>
+            <a:ext cx="1374272" cy="1378833"/>
           </a:xfrm>
           <a:prstGeom prst="straightConnector1">
             <a:avLst/>
@@ -6011,8 +6011,8 @@
         </p:nvCxnSpPr>
         <p:spPr>
           <a:xfrm flipH="1">
-            <a:off x="8528367" y="9833448"/>
-            <a:ext cx="1148086" cy="1285289"/>
+            <a:off x="8528367" y="10822277"/>
+            <a:ext cx="1148086" cy="1370349"/>
           </a:xfrm>
           <a:prstGeom prst="straightConnector1">
             <a:avLst/>
@@ -6054,7 +6054,7 @@
         </p:nvSpPr>
         <p:spPr>
           <a:xfrm>
-            <a:off x="7035032" y="10934071"/>
+            <a:off x="7035032" y="12007960"/>
             <a:ext cx="1493335" cy="369332"/>
           </a:xfrm>
           <a:prstGeom prst="rect">
@@ -6132,7 +6132,7 @@
         </p:nvSpPr>
         <p:spPr>
           <a:xfrm>
-            <a:off x="2557691" y="5861437"/>
+            <a:off x="1824040" y="5861437"/>
             <a:ext cx="2422255" cy="707886"/>
           </a:xfrm>
           <a:prstGeom prst="rect">
@@ -6856,7 +6856,7 @@
         </p:nvSpPr>
         <p:spPr>
           <a:xfrm>
-            <a:off x="6535192" y="9701122"/>
+            <a:off x="6535192" y="10689951"/>
             <a:ext cx="2262520" cy="861774"/>
           </a:xfrm>
           <a:prstGeom prst="rect">
@@ -6899,7 +6899,7 @@
         </p:nvSpPr>
         <p:spPr>
           <a:xfrm>
-            <a:off x="4771855" y="11206468"/>
+            <a:off x="4771855" y="12280357"/>
             <a:ext cx="1883199" cy="707886"/>
           </a:xfrm>
           <a:prstGeom prst="rect">
@@ -6934,7 +6934,7 @@
         </p:nvSpPr>
         <p:spPr>
           <a:xfrm>
-            <a:off x="1536715" y="11234549"/>
+            <a:off x="1536715" y="12308438"/>
             <a:ext cx="2178112" cy="553998"/>
           </a:xfrm>
           <a:prstGeom prst="rect">
@@ -7047,7 +7047,7 @@
         </p:nvSpPr>
         <p:spPr>
           <a:xfrm>
-            <a:off x="3734000" y="7491329"/>
+            <a:off x="4414485" y="7948534"/>
             <a:ext cx="2218877" cy="707886"/>
           </a:xfrm>
           <a:prstGeom prst="rect">
@@ -7089,7 +7089,7 @@
         </p:nvSpPr>
         <p:spPr>
           <a:xfrm>
-            <a:off x="6929537" y="11265504"/>
+            <a:off x="6929537" y="12339393"/>
             <a:ext cx="2136823" cy="707886"/>
           </a:xfrm>
           <a:prstGeom prst="rect">
@@ -7173,7 +7173,7 @@
         </p:nvSpPr>
         <p:spPr>
           <a:xfrm>
-            <a:off x="5709167" y="2338891"/>
+            <a:off x="5165865" y="2151719"/>
             <a:ext cx="1903687" cy="707886"/>
           </a:xfrm>
           <a:prstGeom prst="rect">
@@ -7190,6 +7190,238 @@
             <a:r>
               <a:rPr lang="en-US" sz="1000" dirty="0"/>
               <a:t>Sample is not specifically focused on biological or ecological properties of the sampled feature</a:t>
+            </a:r>
+          </a:p>
+        </p:txBody>
+      </p:sp>
+      <p:sp>
+        <p:nvSpPr>
+          <p:cNvPr id="99" name="Rectangle 98">
+            <a:extLst>
+              <a:ext uri="{FF2B5EF4-FFF2-40B4-BE49-F238E27FC236}">
+                <a16:creationId xmlns:a16="http://schemas.microsoft.com/office/drawing/2014/main" id="{52BCCA6E-59C7-4C0D-B10B-FCAA3782D789}"/>
+              </a:ext>
+            </a:extLst>
+          </p:cNvPr>
+          <p:cNvSpPr/>
+          <p:nvPr/>
+        </p:nvSpPr>
+        <p:spPr>
+          <a:xfrm>
+            <a:off x="6112248" y="3745969"/>
+            <a:ext cx="1412382" cy="509417"/>
+          </a:xfrm>
+          <a:prstGeom prst="rect">
+            <a:avLst/>
+          </a:prstGeom>
+          <a:solidFill>
+            <a:schemeClr val="accent3">
+              <a:lumMod val="40000"/>
+              <a:lumOff val="60000"/>
+            </a:schemeClr>
+          </a:solidFill>
+        </p:spPr>
+        <p:style>
+          <a:lnRef idx="2">
+            <a:schemeClr val="accent1">
+              <a:shade val="50000"/>
+            </a:schemeClr>
+          </a:lnRef>
+          <a:fillRef idx="1">
+            <a:schemeClr val="accent1"/>
+          </a:fillRef>
+          <a:effectRef idx="0">
+            <a:schemeClr val="accent1"/>
+          </a:effectRef>
+          <a:fontRef idx="minor">
+            <a:schemeClr val="lt1"/>
+          </a:fontRef>
+        </p:style>
+        <p:txBody>
+          <a:bodyPr rtlCol="0" anchor="ctr"/>
+          <a:lstStyle/>
+          <a:p>
+            <a:pPr algn="ctr"/>
+            <a:r>
+              <a:rPr lang="en-US" dirty="0">
+                <a:solidFill>
+                  <a:schemeClr val="tx1"/>
+                </a:solidFill>
+              </a:rPr>
+              <a:t>Glacier</a:t>
+            </a:r>
+          </a:p>
+        </p:txBody>
+      </p:sp>
+      <p:cxnSp>
+        <p:nvCxnSpPr>
+          <p:cNvPr id="101" name="Straight Arrow Connector 100">
+            <a:extLst>
+              <a:ext uri="{FF2B5EF4-FFF2-40B4-BE49-F238E27FC236}">
+                <a16:creationId xmlns:a16="http://schemas.microsoft.com/office/drawing/2014/main" id="{9712143C-3C63-49B5-BEB8-FED6871BB10C}"/>
+              </a:ext>
+            </a:extLst>
+          </p:cNvPr>
+          <p:cNvCxnSpPr>
+            <a:cxnSpLocks/>
+            <a:stCxn id="99" idx="2"/>
+            <a:endCxn id="108" idx="0"/>
+          </p:cNvCxnSpPr>
+          <p:nvPr/>
+        </p:nvCxnSpPr>
+        <p:spPr>
+          <a:xfrm flipH="1">
+            <a:off x="6492169" y="4255386"/>
+            <a:ext cx="326270" cy="833432"/>
+          </a:xfrm>
+          <a:prstGeom prst="straightConnector1">
+            <a:avLst/>
+          </a:prstGeom>
+          <a:ln w="57150">
+            <a:solidFill>
+              <a:srgbClr val="FF0000"/>
+            </a:solidFill>
+            <a:prstDash val="sysDash"/>
+            <a:headEnd type="none" w="med" len="med"/>
+            <a:tailEnd type="triangle" w="med" len="med"/>
+          </a:ln>
+        </p:spPr>
+        <p:style>
+          <a:lnRef idx="1">
+            <a:schemeClr val="accent1"/>
+          </a:lnRef>
+          <a:fillRef idx="0">
+            <a:schemeClr val="accent1"/>
+          </a:fillRef>
+          <a:effectRef idx="0">
+            <a:schemeClr val="accent1"/>
+          </a:effectRef>
+          <a:fontRef idx="minor">
+            <a:schemeClr val="tx1"/>
+          </a:fontRef>
+        </p:style>
+      </p:cxnSp>
+      <p:cxnSp>
+        <p:nvCxnSpPr>
+          <p:cNvPr id="104" name="Straight Arrow Connector 103">
+            <a:extLst>
+              <a:ext uri="{FF2B5EF4-FFF2-40B4-BE49-F238E27FC236}">
+                <a16:creationId xmlns:a16="http://schemas.microsoft.com/office/drawing/2014/main" id="{51F46A9E-AD41-410D-9DCD-90CD416912E0}"/>
+              </a:ext>
+            </a:extLst>
+          </p:cNvPr>
+          <p:cNvCxnSpPr>
+            <a:cxnSpLocks/>
+            <a:stCxn id="99" idx="1"/>
+            <a:endCxn id="105" idx="3"/>
+          </p:cNvCxnSpPr>
+          <p:nvPr/>
+        </p:nvCxnSpPr>
+        <p:spPr>
+          <a:xfrm flipH="1">
+            <a:off x="5444056" y="4000678"/>
+            <a:ext cx="668192" cy="328174"/>
+          </a:xfrm>
+          <a:prstGeom prst="straightConnector1">
+            <a:avLst/>
+          </a:prstGeom>
+          <a:ln w="57150">
+            <a:solidFill>
+              <a:srgbClr val="00B050"/>
+            </a:solidFill>
+            <a:headEnd type="none" w="med" len="med"/>
+            <a:tailEnd type="triangle" w="med" len="med"/>
+          </a:ln>
+        </p:spPr>
+        <p:style>
+          <a:lnRef idx="1">
+            <a:schemeClr val="accent1"/>
+          </a:lnRef>
+          <a:fillRef idx="0">
+            <a:schemeClr val="accent1"/>
+          </a:fillRef>
+          <a:effectRef idx="0">
+            <a:schemeClr val="accent1"/>
+          </a:effectRef>
+          <a:fontRef idx="minor">
+            <a:schemeClr val="tx1"/>
+          </a:fontRef>
+        </p:style>
+      </p:cxnSp>
+      <p:sp>
+        <p:nvSpPr>
+          <p:cNvPr id="105" name="TextBox 104">
+            <a:extLst>
+              <a:ext uri="{FF2B5EF4-FFF2-40B4-BE49-F238E27FC236}">
+                <a16:creationId xmlns:a16="http://schemas.microsoft.com/office/drawing/2014/main" id="{ECFF6286-CB19-4D56-B65D-C365F05EDFC8}"/>
+              </a:ext>
+            </a:extLst>
+          </p:cNvPr>
+          <p:cNvSpPr txBox="1"/>
+          <p:nvPr/>
+        </p:nvSpPr>
+        <p:spPr>
+          <a:xfrm>
+            <a:off x="4031674" y="4005686"/>
+            <a:ext cx="1412382" cy="646331"/>
+          </a:xfrm>
+          <a:prstGeom prst="rect">
+            <a:avLst/>
+          </a:prstGeom>
+          <a:noFill/>
+        </p:spPr>
+        <p:txBody>
+          <a:bodyPr wrap="square" rtlCol="0">
+            <a:spAutoFit/>
+          </a:bodyPr>
+          <a:lstStyle>
+            <a:defPPr>
+              <a:defRPr lang="en-US"/>
+            </a:defPPr>
+            <a:lvl1pPr>
+              <a:defRPr b="1"/>
+            </a:lvl1pPr>
+          </a:lstStyle>
+          <a:p>
+            <a:pPr algn="ctr"/>
+            <a:r>
+              <a:rPr lang="en-US" dirty="0"/>
+              <a:t>Glacier environment</a:t>
+            </a:r>
+          </a:p>
+        </p:txBody>
+      </p:sp>
+      <p:sp>
+        <p:nvSpPr>
+          <p:cNvPr id="110" name="TextBox 109">
+            <a:extLst>
+              <a:ext uri="{FF2B5EF4-FFF2-40B4-BE49-F238E27FC236}">
+                <a16:creationId xmlns:a16="http://schemas.microsoft.com/office/drawing/2014/main" id="{A2AE9411-198C-48F7-BA3A-6A0D706692BC}"/>
+              </a:ext>
+            </a:extLst>
+          </p:cNvPr>
+          <p:cNvSpPr txBox="1"/>
+          <p:nvPr/>
+        </p:nvSpPr>
+        <p:spPr>
+          <a:xfrm>
+            <a:off x="3762304" y="4589101"/>
+            <a:ext cx="1903687" cy="553998"/>
+          </a:xfrm>
+          <a:prstGeom prst="rect">
+            <a:avLst/>
+          </a:prstGeom>
+          <a:noFill/>
+        </p:spPr>
+        <p:txBody>
+          <a:bodyPr wrap="square" rtlCol="0">
+            <a:spAutoFit/>
+          </a:bodyPr>
+          <a:lstStyle/>
+          <a:p>
+            <a:r>
+              <a:rPr lang="en-US" sz="1000" dirty="0"/>
+              <a:t>Sample of ice or water from a glacier, ice sheet, ice shelf, ice berg.</a:t>
             </a:r>
           </a:p>
         </p:txBody>
